--- a/Perl Concurrency.pptx
+++ b/Perl Concurrency.pptx
@@ -5,7 +5,7 @@
     <p:sldMasterId id="2147483960" r:id="rId1"/>
   </p:sldMasterIdLst>
   <p:notesMasterIdLst>
-    <p:notesMasterId r:id="rId14"/>
+    <p:notesMasterId r:id="rId15"/>
   </p:notesMasterIdLst>
   <p:sldIdLst>
     <p:sldId id="281" r:id="rId2"/>
@@ -17,9 +17,10 @@
     <p:sldId id="291" r:id="rId8"/>
     <p:sldId id="292" r:id="rId9"/>
     <p:sldId id="293" r:id="rId10"/>
-    <p:sldId id="285" r:id="rId11"/>
-    <p:sldId id="294" r:id="rId12"/>
-    <p:sldId id="279" r:id="rId13"/>
+    <p:sldId id="295" r:id="rId11"/>
+    <p:sldId id="285" r:id="rId12"/>
+    <p:sldId id="294" r:id="rId13"/>
+    <p:sldId id="279" r:id="rId14"/>
   </p:sldIdLst>
   <p:sldSz cx="9144000" cy="6858000" type="screen4x3"/>
   <p:notesSz cx="6858000" cy="9144000"/>
@@ -219,7 +220,7 @@
           <a:p>
             <a:fld id="{3E6A50C7-3750-624B-ABD7-A133EA7C7162}" type="datetimeFigureOut">
               <a:rPr lang="en-US" smtClean="0"/>
-              <a:t>10/3/18</a:t>
+              <a:t>10/4/18</a:t>
             </a:fld>
             <a:endParaRPr lang="en-US"/>
           </a:p>
@@ -896,7 +897,7 @@
     </p:spTree>
     <p:extLst>
       <p:ext uri="{BB962C8B-B14F-4D97-AF65-F5344CB8AC3E}">
-        <p14:creationId xmlns:p14="http://schemas.microsoft.com/office/powerpoint/2010/main" val="584599476"/>
+        <p14:creationId xmlns:p14="http://schemas.microsoft.com/office/powerpoint/2010/main" val="1260728357"/>
       </p:ext>
     </p:extLst>
   </p:cSld>
@@ -972,6 +973,90 @@
             <a:fld id="{B98017F6-B359-404F-9581-473ADCFF690A}" type="slidenum">
               <a:rPr lang="en-US" smtClean="0"/>
               <a:t>11</a:t>
+            </a:fld>
+            <a:endParaRPr lang="en-US"/>
+          </a:p>
+        </p:txBody>
+      </p:sp>
+    </p:spTree>
+    <p:extLst>
+      <p:ext uri="{BB962C8B-B14F-4D97-AF65-F5344CB8AC3E}">
+        <p14:creationId xmlns:p14="http://schemas.microsoft.com/office/powerpoint/2010/main" val="584599476"/>
+      </p:ext>
+    </p:extLst>
+  </p:cSld>
+  <p:clrMapOvr>
+    <a:masterClrMapping/>
+  </p:clrMapOvr>
+</p:notes>
+</file>
+
+<file path=ppt/notesSlides/notesSlide7.xml><?xml version="1.0" encoding="utf-8"?>
+<p:notes xmlns:a="http://schemas.openxmlformats.org/drawingml/2006/main" xmlns:r="http://schemas.openxmlformats.org/officeDocument/2006/relationships" xmlns:p="http://schemas.openxmlformats.org/presentationml/2006/main">
+  <p:cSld>
+    <p:spTree>
+      <p:nvGrpSpPr>
+        <p:cNvPr id="1" name=""/>
+        <p:cNvGrpSpPr/>
+        <p:nvPr/>
+      </p:nvGrpSpPr>
+      <p:grpSpPr>
+        <a:xfrm>
+          <a:off x="0" y="0"/>
+          <a:ext cx="0" cy="0"/>
+          <a:chOff x="0" y="0"/>
+          <a:chExt cx="0" cy="0"/>
+        </a:xfrm>
+      </p:grpSpPr>
+      <p:sp>
+        <p:nvSpPr>
+          <p:cNvPr id="2" name="Slide Image Placeholder 1"/>
+          <p:cNvSpPr>
+            <a:spLocks noGrp="1" noRot="1" noChangeAspect="1"/>
+          </p:cNvSpPr>
+          <p:nvPr>
+            <p:ph type="sldImg"/>
+          </p:nvPr>
+        </p:nvSpPr>
+        <p:spPr/>
+      </p:sp>
+      <p:sp>
+        <p:nvSpPr>
+          <p:cNvPr id="3" name="Notes Placeholder 2"/>
+          <p:cNvSpPr>
+            <a:spLocks noGrp="1"/>
+          </p:cNvSpPr>
+          <p:nvPr>
+            <p:ph type="body" idx="1"/>
+          </p:nvPr>
+        </p:nvSpPr>
+        <p:spPr/>
+        <p:txBody>
+          <a:bodyPr/>
+          <a:lstStyle/>
+          <a:p>
+            <a:endParaRPr lang="en-US" dirty="0"/>
+          </a:p>
+        </p:txBody>
+      </p:sp>
+      <p:sp>
+        <p:nvSpPr>
+          <p:cNvPr id="4" name="Slide Number Placeholder 3"/>
+          <p:cNvSpPr>
+            <a:spLocks noGrp="1"/>
+          </p:cNvSpPr>
+          <p:nvPr>
+            <p:ph type="sldNum" sz="quarter" idx="10"/>
+          </p:nvPr>
+        </p:nvSpPr>
+        <p:spPr/>
+        <p:txBody>
+          <a:bodyPr/>
+          <a:lstStyle/>
+          <a:p>
+            <a:fld id="{B98017F6-B359-404F-9581-473ADCFF690A}" type="slidenum">
+              <a:rPr lang="en-US" smtClean="0"/>
+              <a:t>12</a:t>
             </a:fld>
             <a:endParaRPr lang="en-US"/>
           </a:p>
@@ -1217,7 +1302,7 @@
           <a:p>
             <a:fld id="{2069C06D-4ED8-42C6-905D-CA84CA1B6CBF}" type="datetime2">
               <a:rPr lang="en-US" smtClean="0"/>
-              <a:t>Wednesday, October 3, 2018</a:t>
+              <a:t>Thursday, October 4, 2018</a:t>
             </a:fld>
             <a:endParaRPr lang="en-US" dirty="0"/>
           </a:p>
@@ -1387,7 +1472,7 @@
           <a:p>
             <a:fld id="{A56EEE0E-EDB0-4D84-86B0-50833DF22902}" type="datetime2">
               <a:rPr lang="en-US" smtClean="0"/>
-              <a:t>Wednesday, October 3, 2018</a:t>
+              <a:t>Thursday, October 4, 2018</a:t>
             </a:fld>
             <a:endParaRPr lang="en-US"/>
           </a:p>
@@ -1563,7 +1648,7 @@
           <a:p>
             <a:fld id="{5114372C-B5AB-4C39-B273-B99224EB4DD5}" type="datetime2">
               <a:rPr lang="en-US" smtClean="0"/>
-              <a:t>Wednesday, October 3, 2018</a:t>
+              <a:t>Thursday, October 4, 2018</a:t>
             </a:fld>
             <a:endParaRPr lang="en-US"/>
           </a:p>
@@ -1727,7 +1812,7 @@
           <a:p>
             <a:fld id="{14CB1CAA-32CD-4B55-B92A-B8F0843CACF4}" type="datetime2">
               <a:rPr lang="en-US" smtClean="0"/>
-              <a:t>Wednesday, October 3, 2018</a:t>
+              <a:t>Thursday, October 4, 2018</a:t>
             </a:fld>
             <a:endParaRPr lang="en-US" dirty="0"/>
           </a:p>
@@ -1975,7 +2060,7 @@
           <a:p>
             <a:fld id="{3AD8CDC4-3D19-4983-B478-82F6B8E5AB66}" type="datetime2">
               <a:rPr lang="en-US" smtClean="0"/>
-              <a:t>Wednesday, October 3, 2018</a:t>
+              <a:t>Thursday, October 4, 2018</a:t>
             </a:fld>
             <a:endParaRPr lang="en-US" dirty="0"/>
           </a:p>
@@ -2116,7 +2201,7 @@
           <a:p>
             <a:fld id="{84B82477-D5D3-4181-8C11-75D0F2433A87}" type="datetime2">
               <a:rPr lang="en-US" smtClean="0"/>
-              <a:t>Wednesday, October 3, 2018</a:t>
+              <a:t>Thursday, October 4, 2018</a:t>
             </a:fld>
             <a:endParaRPr lang="en-US" dirty="0"/>
           </a:p>
@@ -2746,7 +2831,7 @@
           <a:p>
             <a:fld id="{213E253B-1893-4367-8BAE-DF4BC10DC578}" type="datetime2">
               <a:rPr lang="en-US" smtClean="0"/>
-              <a:t>Wednesday, October 3, 2018</a:t>
+              <a:t>Thursday, October 4, 2018</a:t>
             </a:fld>
             <a:endParaRPr lang="en-US" dirty="0"/>
           </a:p>
@@ -2859,7 +2944,7 @@
           <a:p>
             <a:fld id="{8B62300D-25B3-4603-86C9-4CB776489F00}" type="datetime2">
               <a:rPr lang="en-US" smtClean="0"/>
-              <a:t>Wednesday, October 3, 2018</a:t>
+              <a:t>Thursday, October 4, 2018</a:t>
             </a:fld>
             <a:endParaRPr lang="en-US" dirty="0"/>
           </a:p>
@@ -2950,7 +3035,7 @@
           <a:p>
             <a:fld id="{C6314AD9-FCC8-48B7-B85B-012A91320DFF}" type="datetime2">
               <a:rPr lang="en-US" smtClean="0"/>
-              <a:t>Wednesday, October 3, 2018</a:t>
+              <a:t>Thursday, October 4, 2018</a:t>
             </a:fld>
             <a:endParaRPr lang="en-US" dirty="0"/>
           </a:p>
@@ -3231,7 +3316,7 @@
           <a:p>
             <a:fld id="{3182DC50-D5DB-4F94-B367-9876CD2C4012}" type="datetime2">
               <a:rPr lang="en-US" smtClean="0"/>
-              <a:t>Wednesday, October 3, 2018</a:t>
+              <a:t>Thursday, October 4, 2018</a:t>
             </a:fld>
             <a:endParaRPr lang="en-US" dirty="0"/>
           </a:p>
@@ -3543,7 +3628,7 @@
           <a:p>
             <a:fld id="{292EB412-E790-42EA-81FE-2925D3A43D91}" type="datetime2">
               <a:rPr lang="en-US" smtClean="0"/>
-              <a:t>Wednesday, October 3, 2018</a:t>
+              <a:t>Thursday, October 4, 2018</a:t>
             </a:fld>
             <a:endParaRPr lang="en-US" dirty="0"/>
           </a:p>
@@ -4001,7 +4086,7 @@
           <a:p>
             <a:fld id="{0B385921-A91A-409C-921C-0E0EC1E750EC}" type="datetime2">
               <a:rPr lang="en-US" smtClean="0"/>
-              <a:t>Wednesday, October 3, 2018</a:t>
+              <a:t>Thursday, October 4, 2018</a:t>
             </a:fld>
             <a:endParaRPr lang="en-US" dirty="0"/>
           </a:p>
@@ -4654,6 +4739,95 @@
           <a:p>
             <a:r>
               <a:rPr lang="en-US" dirty="0"/>
+              <a:t>Short running processes</a:t>
+            </a:r>
+          </a:p>
+          <a:p>
+            <a:r>
+              <a:rPr lang="en-US" dirty="0"/>
+              <a:t>One way communication </a:t>
+            </a:r>
+          </a:p>
+          <a:p>
+            <a:pPr lvl="1"/>
+            <a:endParaRPr lang="en-US" dirty="0"/>
+          </a:p>
+        </p:txBody>
+      </p:sp>
+      <p:sp>
+        <p:nvSpPr>
+          <p:cNvPr id="3" name="Title 2"/>
+          <p:cNvSpPr>
+            <a:spLocks noGrp="1"/>
+          </p:cNvSpPr>
+          <p:nvPr>
+            <p:ph type="title"/>
+          </p:nvPr>
+        </p:nvSpPr>
+        <p:spPr/>
+        <p:txBody>
+          <a:bodyPr/>
+          <a:lstStyle/>
+          <a:p>
+            <a:r>
+              <a:rPr lang="en-US" dirty="0"/>
+              <a:t>Limitations</a:t>
+            </a:r>
+          </a:p>
+        </p:txBody>
+      </p:sp>
+    </p:spTree>
+    <p:extLst>
+      <p:ext uri="{BB962C8B-B14F-4D97-AF65-F5344CB8AC3E}">
+        <p14:creationId xmlns:p14="http://schemas.microsoft.com/office/powerpoint/2010/main" val="3256579490"/>
+      </p:ext>
+    </p:extLst>
+  </p:cSld>
+  <p:clrMapOvr>
+    <a:masterClrMapping/>
+  </p:clrMapOvr>
+</p:sld>
+</file>
+
+<file path=ppt/slides/slide11.xml><?xml version="1.0" encoding="utf-8"?>
+<p:sld xmlns:a="http://schemas.openxmlformats.org/drawingml/2006/main" xmlns:r="http://schemas.openxmlformats.org/officeDocument/2006/relationships" xmlns:p="http://schemas.openxmlformats.org/presentationml/2006/main">
+  <p:cSld>
+    <p:spTree>
+      <p:nvGrpSpPr>
+        <p:cNvPr id="1" name=""/>
+        <p:cNvGrpSpPr/>
+        <p:nvPr/>
+      </p:nvGrpSpPr>
+      <p:grpSpPr>
+        <a:xfrm>
+          <a:off x="0" y="0"/>
+          <a:ext cx="0" cy="0"/>
+          <a:chOff x="0" y="0"/>
+          <a:chExt cx="0" cy="0"/>
+        </a:xfrm>
+      </p:grpSpPr>
+      <p:sp>
+        <p:nvSpPr>
+          <p:cNvPr id="2" name="Content Placeholder 1"/>
+          <p:cNvSpPr>
+            <a:spLocks noGrp="1"/>
+          </p:cNvSpPr>
+          <p:nvPr>
+            <p:ph idx="1"/>
+          </p:nvPr>
+        </p:nvSpPr>
+        <p:spPr>
+          <a:xfrm>
+            <a:off x="2133600" y="685801"/>
+            <a:ext cx="6701790" cy="3657599"/>
+          </a:xfrm>
+        </p:spPr>
+        <p:txBody>
+          <a:bodyPr/>
+          <a:lstStyle/>
+          <a:p>
+            <a:r>
+              <a:rPr lang="en-US" dirty="0"/>
               <a:t>Fork bombing</a:t>
             </a:r>
           </a:p>
@@ -4681,6 +4855,42 @@
           </a:p>
         </p:txBody>
       </p:sp>
+      <p:pic>
+        <p:nvPicPr>
+          <p:cNvPr id="5" name="Picture 4">
+            <a:extLst>
+              <a:ext uri="{FF2B5EF4-FFF2-40B4-BE49-F238E27FC236}">
+                <a16:creationId xmlns:a16="http://schemas.microsoft.com/office/drawing/2014/main" id="{3D01FA46-9A51-6F43-B2DF-B95FB3ED6304}"/>
+              </a:ext>
+            </a:extLst>
+          </p:cNvPr>
+          <p:cNvPicPr>
+            <a:picLocks noChangeAspect="1"/>
+          </p:cNvPicPr>
+          <p:nvPr/>
+        </p:nvPicPr>
+        <p:blipFill>
+          <a:blip r:embed="rId3">
+            <a:extLst>
+              <a:ext uri="{28A0092B-C50C-407E-A947-70E740481C1C}">
+                <a14:useLocalDpi xmlns:a14="http://schemas.microsoft.com/office/drawing/2010/main" val="0"/>
+              </a:ext>
+            </a:extLst>
+          </a:blip>
+          <a:stretch>
+            <a:fillRect/>
+          </a:stretch>
+        </p:blipFill>
+        <p:spPr>
+          <a:xfrm>
+            <a:off x="5100502" y="0"/>
+            <a:ext cx="4043498" cy="3980318"/>
+          </a:xfrm>
+          <a:prstGeom prst="rect">
+            <a:avLst/>
+          </a:prstGeom>
+        </p:spPr>
+      </p:pic>
     </p:spTree>
     <p:extLst>
       <p:ext uri="{BB962C8B-B14F-4D97-AF65-F5344CB8AC3E}">
@@ -4694,7 +4904,7 @@
 </p:sld>
 </file>
 
-<file path=ppt/slides/slide11.xml><?xml version="1.0" encoding="utf-8"?>
+<file path=ppt/slides/slide12.xml><?xml version="1.0" encoding="utf-8"?>
 <p:sld xmlns:a="http://schemas.openxmlformats.org/drawingml/2006/main" xmlns:r="http://schemas.openxmlformats.org/officeDocument/2006/relationships" xmlns:p="http://schemas.openxmlformats.org/presentationml/2006/main">
   <p:cSld>
     <p:spTree>
@@ -4781,7 +4991,7 @@
 </p:sld>
 </file>
 
-<file path=ppt/slides/slide12.xml><?xml version="1.0" encoding="utf-8"?>
+<file path=ppt/slides/slide13.xml><?xml version="1.0" encoding="utf-8"?>
 <p:sld xmlns:a="http://schemas.openxmlformats.org/drawingml/2006/main" xmlns:r="http://schemas.openxmlformats.org/officeDocument/2006/relationships" xmlns:p="http://schemas.openxmlformats.org/presentationml/2006/main">
   <p:cSld>
     <p:spTree>
